--- a/Week 1 - Introducton to Analysis of Algorithms/Module 1 - Introduction to Analysis of Algorithms.pptx
+++ b/Week 1 - Introducton to Analysis of Algorithms/Module 1 - Introduction to Analysis of Algorithms.pptx
@@ -314,7 +314,7 @@
           <a:p>
             <a:fld id="{DCEEA480-FAED-44A7-B0CF-D7F3DF7642EB}" type="datetimeFigureOut">
               <a:rPr lang="en-PH" smtClean="0"/>
-              <a:t>4/1/24</a:t>
+              <a:t>4/2/24</a:t>
             </a:fld>
             <a:endParaRPr lang="en-PH"/>
           </a:p>
@@ -626,7 +626,10 @@
           <a:bodyPr/>
           <a:lstStyle/>
           <a:p>
-            <a:endParaRPr lang="en-PH" dirty="0"/>
+            <a:r>
+              <a:rPr lang="en-PH" dirty="0"/>
+              <a:t>Explain the difference between an algorithm and a program</a:t>
+            </a:r>
           </a:p>
         </p:txBody>
       </p:sp>
@@ -710,6 +713,38 @@
           <a:bodyPr/>
           <a:lstStyle/>
           <a:p>
+            <a:r>
+              <a:rPr lang="en-PH" dirty="0"/>
+              <a:t>Not all algorithms need an input</a:t>
+            </a:r>
+          </a:p>
+          <a:p>
+            <a:r>
+              <a:rPr lang="en-PH" dirty="0"/>
+              <a:t>Algorithms are required to have some output</a:t>
+            </a:r>
+          </a:p>
+          <a:p>
+            <a:r>
+              <a:rPr lang="en-PH" dirty="0"/>
+              <a:t>Each step in an algorithm should be solvable</a:t>
+            </a:r>
+          </a:p>
+          <a:p>
+            <a:r>
+              <a:rPr lang="en-PH" dirty="0"/>
+              <a:t>Algorithms should start and end at some point</a:t>
+            </a:r>
+          </a:p>
+          <a:p>
+            <a:r>
+              <a:rPr lang="en-PH" dirty="0"/>
+              <a:t>Algorithms should not contain </a:t>
+            </a:r>
+            <a:r>
+              <a:rPr lang="en-PH"/>
+              <a:t>unnecessary steps</a:t>
+            </a:r>
             <a:endParaRPr lang="en-PH" dirty="0"/>
           </a:p>
         </p:txBody>
@@ -1067,7 +1102,7 @@
           <a:p>
             <a:fld id="{E3F2C046-3488-4271-867B-6B64A28EF1DF}" type="datetimeFigureOut">
               <a:rPr lang="en-PH" smtClean="0"/>
-              <a:t>4/1/24</a:t>
+              <a:t>4/2/24</a:t>
             </a:fld>
             <a:endParaRPr lang="en-PH"/>
           </a:p>
@@ -1267,7 +1302,7 @@
           <a:p>
             <a:fld id="{E3F2C046-3488-4271-867B-6B64A28EF1DF}" type="datetimeFigureOut">
               <a:rPr lang="en-PH" smtClean="0"/>
-              <a:t>4/1/24</a:t>
+              <a:t>4/2/24</a:t>
             </a:fld>
             <a:endParaRPr lang="en-PH"/>
           </a:p>
@@ -1477,7 +1512,7 @@
           <a:p>
             <a:fld id="{E3F2C046-3488-4271-867B-6B64A28EF1DF}" type="datetimeFigureOut">
               <a:rPr lang="en-PH" smtClean="0"/>
-              <a:t>4/1/24</a:t>
+              <a:t>4/2/24</a:t>
             </a:fld>
             <a:endParaRPr lang="en-PH"/>
           </a:p>
@@ -1737,7 +1772,7 @@
           <a:p>
             <a:fld id="{E3F2C046-3488-4271-867B-6B64A28EF1DF}" type="datetimeFigureOut">
               <a:rPr lang="en-PH" smtClean="0"/>
-              <a:t>4/1/24</a:t>
+              <a:t>4/2/24</a:t>
             </a:fld>
             <a:endParaRPr lang="en-PH"/>
           </a:p>
@@ -2013,7 +2048,7 @@
           <a:p>
             <a:fld id="{E3F2C046-3488-4271-867B-6B64A28EF1DF}" type="datetimeFigureOut">
               <a:rPr lang="en-PH" smtClean="0"/>
-              <a:t>4/1/24</a:t>
+              <a:t>4/2/24</a:t>
             </a:fld>
             <a:endParaRPr lang="en-PH"/>
           </a:p>
@@ -2281,7 +2316,7 @@
           <a:p>
             <a:fld id="{E3F2C046-3488-4271-867B-6B64A28EF1DF}" type="datetimeFigureOut">
               <a:rPr lang="en-PH" smtClean="0"/>
-              <a:t>4/1/24</a:t>
+              <a:t>4/2/24</a:t>
             </a:fld>
             <a:endParaRPr lang="en-PH"/>
           </a:p>
@@ -2696,7 +2731,7 @@
           <a:p>
             <a:fld id="{E3F2C046-3488-4271-867B-6B64A28EF1DF}" type="datetimeFigureOut">
               <a:rPr lang="en-PH" smtClean="0"/>
-              <a:t>4/1/24</a:t>
+              <a:t>4/2/24</a:t>
             </a:fld>
             <a:endParaRPr lang="en-PH"/>
           </a:p>
@@ -2838,7 +2873,7 @@
           <a:p>
             <a:fld id="{E3F2C046-3488-4271-867B-6B64A28EF1DF}" type="datetimeFigureOut">
               <a:rPr lang="en-PH" smtClean="0"/>
-              <a:t>4/1/24</a:t>
+              <a:t>4/2/24</a:t>
             </a:fld>
             <a:endParaRPr lang="en-PH"/>
           </a:p>
@@ -2951,7 +2986,7 @@
           <a:p>
             <a:fld id="{E3F2C046-3488-4271-867B-6B64A28EF1DF}" type="datetimeFigureOut">
               <a:rPr lang="en-PH" smtClean="0"/>
-              <a:t>4/1/24</a:t>
+              <a:t>4/2/24</a:t>
             </a:fld>
             <a:endParaRPr lang="en-PH"/>
           </a:p>
@@ -3264,7 +3299,7 @@
           <a:p>
             <a:fld id="{E3F2C046-3488-4271-867B-6B64A28EF1DF}" type="datetimeFigureOut">
               <a:rPr lang="en-PH" smtClean="0"/>
-              <a:t>4/1/24</a:t>
+              <a:t>4/2/24</a:t>
             </a:fld>
             <a:endParaRPr lang="en-PH"/>
           </a:p>
@@ -3553,7 +3588,7 @@
           <a:p>
             <a:fld id="{E3F2C046-3488-4271-867B-6B64A28EF1DF}" type="datetimeFigureOut">
               <a:rPr lang="en-PH" smtClean="0"/>
-              <a:t>4/1/24</a:t>
+              <a:t>4/2/24</a:t>
             </a:fld>
             <a:endParaRPr lang="en-PH"/>
           </a:p>
@@ -3796,7 +3831,7 @@
           <a:p>
             <a:fld id="{E3F2C046-3488-4271-867B-6B64A28EF1DF}" type="datetimeFigureOut">
               <a:rPr lang="en-PH" smtClean="0"/>
-              <a:t>4/1/24</a:t>
+              <a:t>4/2/24</a:t>
             </a:fld>
             <a:endParaRPr lang="en-PH"/>
           </a:p>
@@ -5166,7 +5201,7 @@
           <a:lstStyle/>
           <a:p>
             <a:r>
-              <a:rPr lang="en-PH" sz="3600" dirty="0">
+              <a:rPr lang="en-PH" sz="3600" b="1" dirty="0">
                 <a:latin typeface="+mn-lt"/>
               </a:rPr>
               <a:t>Difference between Algorithms and Programs	</a:t>
@@ -5190,7 +5225,7 @@
             <p:ph idx="1"/>
             <p:extLst>
               <p:ext uri="{D42A27DB-BD31-4B8C-83A1-F6EECF244321}">
-                <p14:modId xmlns:p14="http://schemas.microsoft.com/office/powerpoint/2010/main" val="956601869"/>
+                <p14:modId xmlns:p14="http://schemas.microsoft.com/office/powerpoint/2010/main" val="2831511669"/>
               </p:ext>
             </p:extLst>
           </p:nvPr>
@@ -5370,7 +5405,15 @@
                       <a:pPr algn="ctr"/>
                       <a:r>
                         <a:rPr lang="en-US" sz="2400" dirty="0"/>
-                        <a:t>Hardware and Software independent</a:t>
+                        <a:t>Hardware and Software </a:t>
+                      </a:r>
+                      <a:r>
+                        <a:rPr lang="en-US" sz="2400" b="1" dirty="0">
+                          <a:solidFill>
+                            <a:srgbClr val="00B050"/>
+                          </a:solidFill>
+                        </a:rPr>
+                        <a:t>independent</a:t>
                       </a:r>
                     </a:p>
                   </a:txBody>
@@ -5400,7 +5443,15 @@
                       </a:pPr>
                       <a:r>
                         <a:rPr lang="en-US" sz="2400" dirty="0"/>
-                        <a:t>Hardware and Software dependent</a:t>
+                        <a:t>Hardware and Software </a:t>
+                      </a:r>
+                      <a:r>
+                        <a:rPr lang="en-US" sz="2400" b="1" dirty="0">
+                          <a:solidFill>
+                            <a:srgbClr val="FF0000"/>
+                          </a:solidFill>
+                        </a:rPr>
+                        <a:t>dependent</a:t>
                       </a:r>
                     </a:p>
                   </a:txBody>
@@ -5420,8 +5471,12 @@
                     <a:p>
                       <a:pPr algn="ctr"/>
                       <a:r>
-                        <a:rPr lang="en-US" sz="2400" dirty="0"/>
-                        <a:t>Analyze</a:t>
+                        <a:rPr lang="en-US" sz="2400" b="1" dirty="0">
+                          <a:solidFill>
+                            <a:srgbClr val="00B050"/>
+                          </a:solidFill>
+                        </a:rPr>
+                        <a:t>Analysis</a:t>
                       </a:r>
                     </a:p>
                   </a:txBody>
@@ -5655,7 +5710,7 @@
           <a:lstStyle/>
           <a:p>
             <a:r>
-              <a:rPr lang="en-PH" sz="3600" dirty="0">
+              <a:rPr lang="en-PH" sz="3600" b="1" dirty="0">
                 <a:latin typeface="+mn-lt"/>
               </a:rPr>
               <a:t>Characteristics of an Algorithm</a:t>
@@ -6621,7 +6676,7 @@
           <a:lstStyle/>
           <a:p>
             <a:r>
-              <a:rPr lang="en-PH" sz="3600" dirty="0">
+              <a:rPr lang="en-PH" sz="3600" b="1" dirty="0">
                 <a:latin typeface="+mn-lt"/>
               </a:rPr>
               <a:t>How to Analyze an Algorithm</a:t>
@@ -8537,12 +8592,57 @@
 </file>
 
 <file path=customXml/item1.xml><?xml version="1.0" encoding="utf-8"?>
+<Control xmlns="http://schemas.microsoft.com/VisualStudio/2011/storyboarding/control">
+  <Id Name="8ace2fdb-12ac-4077-a484-31b1b60ebf69" Revision="1" Stencil="System.MyShapes" StencilVersion="1.0"/>
+</Control>
+</file>
+
+<file path=customXml/item10.xml><?xml version="1.0" encoding="utf-8"?>
+<Control xmlns="http://schemas.microsoft.com/VisualStudio/2011/storyboarding/control">
+  <Id Name="8ace2fdb-12ac-4077-a484-31b1b60ebf69" Revision="1" Stencil="System.MyShapes" StencilVersion="1.0"/>
+</Control>
+</file>
+
+<file path=customXml/item11.xml><?xml version="1.0" encoding="utf-8"?>
+<?mso-contentType ?>
+<FormTemplates xmlns="http://schemas.microsoft.com/sharepoint/v3/contenttype/forms">
+  <Display>DocumentLibraryForm</Display>
+  <Edit>DocumentLibraryForm</Edit>
+  <New>DocumentLibraryForm</New>
+</FormTemplates>
+</file>
+
+<file path=customXml/item2.xml><?xml version="1.0" encoding="utf-8"?>
+<Control xmlns="http://schemas.microsoft.com/VisualStudio/2011/storyboarding/control">
+  <Id Name="8ace2fdb-12ac-4077-a484-31b1b60ebf69" Revision="1" Stencil="System.MyShapes" StencilVersion="1.0"/>
+</Control>
+</file>
+
+<file path=customXml/item3.xml><?xml version="1.0" encoding="utf-8"?>
 <p:properties xmlns:p="http://schemas.microsoft.com/office/2006/metadata/properties" xmlns:xsi="http://www.w3.org/2001/XMLSchema-instance" xmlns:pc="http://schemas.microsoft.com/office/infopath/2007/PartnerControls">
   <documentManagement/>
 </p:properties>
 </file>
 
-<file path=customXml/item10.xml><?xml version="1.0" encoding="utf-8"?>
+<file path=customXml/item4.xml><?xml version="1.0" encoding="utf-8"?>
+<Control xmlns="http://schemas.microsoft.com/VisualStudio/2011/storyboarding/control">
+  <Id Name="8ace2fdb-12ac-4077-a484-31b1b60ebf69" Revision="1" Stencil="System.MyShapes" StencilVersion="1.0"/>
+</Control>
+</file>
+
+<file path=customXml/item5.xml><?xml version="1.0" encoding="utf-8"?>
+<Control xmlns="http://schemas.microsoft.com/VisualStudio/2011/storyboarding/control">
+  <Id Name="8ace2fdb-12ac-4077-a484-31b1b60ebf69" Revision="1" Stencil="System.MyShapes" StencilVersion="1.0"/>
+</Control>
+</file>
+
+<file path=customXml/item6.xml><?xml version="1.0" encoding="utf-8"?>
+<Control xmlns="http://schemas.microsoft.com/VisualStudio/2011/storyboarding/control">
+  <Id Name="8ace2fdb-12ac-4077-a484-31b1b60ebf69" Revision="1" Stencil="System.MyShapes" StencilVersion="1.0"/>
+</Control>
+</file>
+
+<file path=customXml/item7.xml><?xml version="1.0" encoding="utf-8"?>
 <ct:contentTypeSchema xmlns:ct="http://schemas.microsoft.com/office/2006/metadata/contentType" xmlns:ma="http://schemas.microsoft.com/office/2006/metadata/properties/metaAttributes" ct:_="" ma:_="" ma:contentTypeName="Document" ma:contentTypeID="0x010100E447152859C8014E97EC9B577D7A1330" ma:contentTypeVersion="12" ma:contentTypeDescription="Create a new document." ma:contentTypeScope="" ma:versionID="52d09823e0087feae297551e9dbda0a9">
   <xsd:schema xmlns:xsd="http://www.w3.org/2001/XMLSchema" xmlns:xs="http://www.w3.org/2001/XMLSchema" xmlns:p="http://schemas.microsoft.com/office/2006/metadata/properties" xmlns:ns2="d8f4194d-84ab-46b7-ab9a-ae336d6d7a46" targetNamespace="http://schemas.microsoft.com/office/2006/metadata/properties" ma:root="true" ma:fieldsID="9dcf8d2f8904ed4674c63cd7be38c229" ns2:_="">
     <xsd:import namespace="d8f4194d-84ab-46b7-ab9a-ae336d6d7a46"/>
@@ -8738,51 +8838,6 @@
 </ct:contentTypeSchema>
 </file>
 
-<file path=customXml/item11.xml><?xml version="1.0" encoding="utf-8"?>
-<Control xmlns="http://schemas.microsoft.com/VisualStudio/2011/storyboarding/control">
-  <Id Name="8ace2fdb-12ac-4077-a484-31b1b60ebf69" Revision="1" Stencil="System.MyShapes" StencilVersion="1.0"/>
-</Control>
-</file>
-
-<file path=customXml/item2.xml><?xml version="1.0" encoding="utf-8"?>
-<Control xmlns="http://schemas.microsoft.com/VisualStudio/2011/storyboarding/control">
-  <Id Name="8ace2fdb-12ac-4077-a484-31b1b60ebf69" Revision="1" Stencil="System.MyShapes" StencilVersion="1.0"/>
-</Control>
-</file>
-
-<file path=customXml/item3.xml><?xml version="1.0" encoding="utf-8"?>
-<?mso-contentType ?>
-<FormTemplates xmlns="http://schemas.microsoft.com/sharepoint/v3/contenttype/forms">
-  <Display>DocumentLibraryForm</Display>
-  <Edit>DocumentLibraryForm</Edit>
-  <New>DocumentLibraryForm</New>
-</FormTemplates>
-</file>
-
-<file path=customXml/item4.xml><?xml version="1.0" encoding="utf-8"?>
-<Control xmlns="http://schemas.microsoft.com/VisualStudio/2011/storyboarding/control">
-  <Id Name="8ace2fdb-12ac-4077-a484-31b1b60ebf69" Revision="1" Stencil="System.MyShapes" StencilVersion="1.0"/>
-</Control>
-</file>
-
-<file path=customXml/item5.xml><?xml version="1.0" encoding="utf-8"?>
-<Control xmlns="http://schemas.microsoft.com/VisualStudio/2011/storyboarding/control">
-  <Id Name="8ace2fdb-12ac-4077-a484-31b1b60ebf69" Revision="1" Stencil="System.MyShapes" StencilVersion="1.0"/>
-</Control>
-</file>
-
-<file path=customXml/item6.xml><?xml version="1.0" encoding="utf-8"?>
-<Control xmlns="http://schemas.microsoft.com/VisualStudio/2011/storyboarding/control">
-  <Id Name="8ace2fdb-12ac-4077-a484-31b1b60ebf69" Revision="1" Stencil="System.MyShapes" StencilVersion="1.0"/>
-</Control>
-</file>
-
-<file path=customXml/item7.xml><?xml version="1.0" encoding="utf-8"?>
-<Control xmlns="http://schemas.microsoft.com/VisualStudio/2011/storyboarding/control">
-  <Id Name="8ace2fdb-12ac-4077-a484-31b1b60ebf69" Revision="1" Stencil="System.MyShapes" StencilVersion="1.0"/>
-</Control>
-</file>
-
 <file path=customXml/item8.xml><?xml version="1.0" encoding="utf-8"?>
 <Control xmlns="http://schemas.microsoft.com/VisualStudio/2011/storyboarding/control">
   <Id Name="8ace2fdb-12ac-4077-a484-31b1b60ebf69" Revision="1" Stencil="System.MyShapes" StencilVersion="1.0"/>
@@ -8796,6 +8851,38 @@
 </file>
 
 <file path=customXml/itemProps1.xml><?xml version="1.0" encoding="utf-8"?>
+<ds:datastoreItem xmlns:ds="http://schemas.openxmlformats.org/officeDocument/2006/customXml" ds:itemID="{1E432C16-7313-413A-AE06-D8B8B05337A0}">
+  <ds:schemaRefs>
+    <ds:schemaRef ds:uri="http://schemas.microsoft.com/VisualStudio/2011/storyboarding/control"/>
+  </ds:schemaRefs>
+</ds:datastoreItem>
+</file>
+
+<file path=customXml/itemProps10.xml><?xml version="1.0" encoding="utf-8"?>
+<ds:datastoreItem xmlns:ds="http://schemas.openxmlformats.org/officeDocument/2006/customXml" ds:itemID="{C4D067AF-DC92-4F11-82F5-13007749D8F7}">
+  <ds:schemaRefs>
+    <ds:schemaRef ds:uri="http://schemas.microsoft.com/VisualStudio/2011/storyboarding/control"/>
+  </ds:schemaRefs>
+</ds:datastoreItem>
+</file>
+
+<file path=customXml/itemProps11.xml><?xml version="1.0" encoding="utf-8"?>
+<ds:datastoreItem xmlns:ds="http://schemas.openxmlformats.org/officeDocument/2006/customXml" ds:itemID="{B2536F37-530C-411C-8F18-B0A7B28F558C}">
+  <ds:schemaRefs>
+    <ds:schemaRef ds:uri="http://schemas.microsoft.com/sharepoint/v3/contenttype/forms"/>
+  </ds:schemaRefs>
+</ds:datastoreItem>
+</file>
+
+<file path=customXml/itemProps2.xml><?xml version="1.0" encoding="utf-8"?>
+<ds:datastoreItem xmlns:ds="http://schemas.openxmlformats.org/officeDocument/2006/customXml" ds:itemID="{11BDA43E-947F-4629-A7CA-0F1298F3BE36}">
+  <ds:schemaRefs>
+    <ds:schemaRef ds:uri="http://schemas.microsoft.com/VisualStudio/2011/storyboarding/control"/>
+  </ds:schemaRefs>
+</ds:datastoreItem>
+</file>
+
+<file path=customXml/itemProps3.xml><?xml version="1.0" encoding="utf-8"?>
 <ds:datastoreItem xmlns:ds="http://schemas.openxmlformats.org/officeDocument/2006/customXml" ds:itemID="{C949E552-086B-4DA8-9E01-CA196F3C99BF}">
   <ds:schemaRefs>
     <ds:schemaRef ds:uri="http://www.w3.org/XML/1998/namespace"/>
@@ -8810,7 +8897,31 @@
 </ds:datastoreItem>
 </file>
 
-<file path=customXml/itemProps10.xml><?xml version="1.0" encoding="utf-8"?>
+<file path=customXml/itemProps4.xml><?xml version="1.0" encoding="utf-8"?>
+<ds:datastoreItem xmlns:ds="http://schemas.openxmlformats.org/officeDocument/2006/customXml" ds:itemID="{AD4724DF-B3D7-4FCF-AA8F-856D3FC7F828}">
+  <ds:schemaRefs>
+    <ds:schemaRef ds:uri="http://schemas.microsoft.com/VisualStudio/2011/storyboarding/control"/>
+  </ds:schemaRefs>
+</ds:datastoreItem>
+</file>
+
+<file path=customXml/itemProps5.xml><?xml version="1.0" encoding="utf-8"?>
+<ds:datastoreItem xmlns:ds="http://schemas.openxmlformats.org/officeDocument/2006/customXml" ds:itemID="{DB215FA1-4FD3-42FD-A00D-2232EB3452BE}">
+  <ds:schemaRefs>
+    <ds:schemaRef ds:uri="http://schemas.microsoft.com/VisualStudio/2011/storyboarding/control"/>
+  </ds:schemaRefs>
+</ds:datastoreItem>
+</file>
+
+<file path=customXml/itemProps6.xml><?xml version="1.0" encoding="utf-8"?>
+<ds:datastoreItem xmlns:ds="http://schemas.openxmlformats.org/officeDocument/2006/customXml" ds:itemID="{C0AE690A-6DA2-4539-97E4-9CACEDAE07A0}">
+  <ds:schemaRefs>
+    <ds:schemaRef ds:uri="http://schemas.microsoft.com/VisualStudio/2011/storyboarding/control"/>
+  </ds:schemaRefs>
+</ds:datastoreItem>
+</file>
+
+<file path=customXml/itemProps7.xml><?xml version="1.0" encoding="utf-8"?>
 <ds:datastoreItem xmlns:ds="http://schemas.openxmlformats.org/officeDocument/2006/customXml" ds:itemID="{F5853942-C8ED-4953-A539-B666C12E5ADE}">
   <ds:schemaRefs>
     <ds:schemaRef ds:uri="http://schemas.microsoft.com/office/2006/metadata/contentType"/>
@@ -8828,64 +8939,8 @@
 </ds:datastoreItem>
 </file>
 
-<file path=customXml/itemProps11.xml><?xml version="1.0" encoding="utf-8"?>
-<ds:datastoreItem xmlns:ds="http://schemas.openxmlformats.org/officeDocument/2006/customXml" ds:itemID="{DB215FA1-4FD3-42FD-A00D-2232EB3452BE}">
-  <ds:schemaRefs>
-    <ds:schemaRef ds:uri="http://schemas.microsoft.com/VisualStudio/2011/storyboarding/control"/>
-  </ds:schemaRefs>
-</ds:datastoreItem>
-</file>
-
-<file path=customXml/itemProps2.xml><?xml version="1.0" encoding="utf-8"?>
-<ds:datastoreItem xmlns:ds="http://schemas.openxmlformats.org/officeDocument/2006/customXml" ds:itemID="{11BDA43E-947F-4629-A7CA-0F1298F3BE36}">
-  <ds:schemaRefs>
-    <ds:schemaRef ds:uri="http://schemas.microsoft.com/VisualStudio/2011/storyboarding/control"/>
-  </ds:schemaRefs>
-</ds:datastoreItem>
-</file>
-
-<file path=customXml/itemProps3.xml><?xml version="1.0" encoding="utf-8"?>
-<ds:datastoreItem xmlns:ds="http://schemas.openxmlformats.org/officeDocument/2006/customXml" ds:itemID="{B2536F37-530C-411C-8F18-B0A7B28F558C}">
-  <ds:schemaRefs>
-    <ds:schemaRef ds:uri="http://schemas.microsoft.com/sharepoint/v3/contenttype/forms"/>
-  </ds:schemaRefs>
-</ds:datastoreItem>
-</file>
-
-<file path=customXml/itemProps4.xml><?xml version="1.0" encoding="utf-8"?>
+<file path=customXml/itemProps8.xml><?xml version="1.0" encoding="utf-8"?>
 <ds:datastoreItem xmlns:ds="http://schemas.openxmlformats.org/officeDocument/2006/customXml" ds:itemID="{F79BED0A-E20E-4F16-91D3-BB18BCF17AE7}">
-  <ds:schemaRefs>
-    <ds:schemaRef ds:uri="http://schemas.microsoft.com/VisualStudio/2011/storyboarding/control"/>
-  </ds:schemaRefs>
-</ds:datastoreItem>
-</file>
-
-<file path=customXml/itemProps5.xml><?xml version="1.0" encoding="utf-8"?>
-<ds:datastoreItem xmlns:ds="http://schemas.openxmlformats.org/officeDocument/2006/customXml" ds:itemID="{C0AE690A-6DA2-4539-97E4-9CACEDAE07A0}">
-  <ds:schemaRefs>
-    <ds:schemaRef ds:uri="http://schemas.microsoft.com/VisualStudio/2011/storyboarding/control"/>
-  </ds:schemaRefs>
-</ds:datastoreItem>
-</file>
-
-<file path=customXml/itemProps6.xml><?xml version="1.0" encoding="utf-8"?>
-<ds:datastoreItem xmlns:ds="http://schemas.openxmlformats.org/officeDocument/2006/customXml" ds:itemID="{AD4724DF-B3D7-4FCF-AA8F-856D3FC7F828}">
-  <ds:schemaRefs>
-    <ds:schemaRef ds:uri="http://schemas.microsoft.com/VisualStudio/2011/storyboarding/control"/>
-  </ds:schemaRefs>
-</ds:datastoreItem>
-</file>
-
-<file path=customXml/itemProps7.xml><?xml version="1.0" encoding="utf-8"?>
-<ds:datastoreItem xmlns:ds="http://schemas.openxmlformats.org/officeDocument/2006/customXml" ds:itemID="{1E432C16-7313-413A-AE06-D8B8B05337A0}">
-  <ds:schemaRefs>
-    <ds:schemaRef ds:uri="http://schemas.microsoft.com/VisualStudio/2011/storyboarding/control"/>
-  </ds:schemaRefs>
-</ds:datastoreItem>
-</file>
-
-<file path=customXml/itemProps8.xml><?xml version="1.0" encoding="utf-8"?>
-<ds:datastoreItem xmlns:ds="http://schemas.openxmlformats.org/officeDocument/2006/customXml" ds:itemID="{C4D067AF-DC92-4F11-82F5-13007749D8F7}">
   <ds:schemaRefs>
     <ds:schemaRef ds:uri="http://schemas.microsoft.com/VisualStudio/2011/storyboarding/control"/>
   </ds:schemaRefs>
